--- a/Sleep capsules for MIPT.pptx
+++ b/Sleep capsules for MIPT.pptx
@@ -111,6 +111,11 @@
       </a:defRPr>
     </a:lvl9pPr>
   </p:defaultTextStyle>
+  <p:extLst>
+    <p:ext uri="{EFAFB233-063F-42B5-8137-9DF3F51BA10A}">
+      <p15:sldGuideLst xmlns:p15="http://schemas.microsoft.com/office/powerpoint/2012/main"/>
+    </p:ext>
+  </p:extLst>
 </p:presentation>
 </file>
 
@@ -4158,6 +4163,18 @@
   <p:clrMapOvr>
     <a:masterClrMapping/>
   </p:clrMapOvr>
+  <mc:AlternateContent xmlns:mc="http://schemas.openxmlformats.org/markup-compatibility/2006">
+    <mc:Choice xmlns:p15="http://schemas.microsoft.com/office/powerpoint/2012/main" Requires="p15">
+      <p:transition xmlns:p14="http://schemas.microsoft.com/office/powerpoint/2010/main" spd="slow" p14:dur="2000">
+        <p15:prstTrans prst="drape"/>
+      </p:transition>
+    </mc:Choice>
+    <mc:Fallback>
+      <p:transition spd="slow">
+        <p:fade/>
+      </p:transition>
+    </mc:Fallback>
+  </mc:AlternateContent>
 </p:sld>
 </file>
 
@@ -4226,6 +4243,18 @@
   <p:clrMapOvr>
     <a:masterClrMapping/>
   </p:clrMapOvr>
+  <mc:AlternateContent xmlns:mc="http://schemas.openxmlformats.org/markup-compatibility/2006">
+    <mc:Choice xmlns:p15="http://schemas.microsoft.com/office/powerpoint/2012/main" Requires="p15">
+      <p:transition xmlns:p14="http://schemas.microsoft.com/office/powerpoint/2010/main" spd="slow" p14:dur="1250">
+        <p15:prstTrans prst="peelOff"/>
+      </p:transition>
+    </mc:Choice>
+    <mc:Fallback>
+      <p:transition spd="slow">
+        <p:fade/>
+      </p:transition>
+    </mc:Fallback>
+  </mc:AlternateContent>
 </p:sld>
 </file>
 
@@ -4521,10 +4550,10 @@
       </p:sp>
       <p:pic>
         <p:nvPicPr>
-          <p:cNvPr id="3075" name="Picture 3" descr="Переутомление во время учебы: как концентрироваться на важном?">
+          <p:cNvPr id="1030" name="Picture 6" descr="The importance of sleep | Flourish Australia">
             <a:extLst>
               <a:ext uri="{FF2B5EF4-FFF2-40B4-BE49-F238E27FC236}">
-                <a16:creationId xmlns:a16="http://schemas.microsoft.com/office/drawing/2014/main" id="{97DF1C54-A2B5-E1A3-1F77-E11F03188179}"/>
+                <a16:creationId xmlns:a16="http://schemas.microsoft.com/office/drawing/2014/main" id="{E381FA28-8CE6-50E9-7E1A-671812977012}"/>
               </a:ext>
             </a:extLst>
           </p:cNvPr>
@@ -4550,8 +4579,8 @@
         </p:blipFill>
         <p:spPr bwMode="auto">
           <a:xfrm>
-            <a:off x="2503502" y="1828801"/>
-            <a:ext cx="5912529" cy="4225986"/>
+            <a:off x="2972778" y="1997183"/>
+            <a:ext cx="5265699" cy="4168400"/>
           </a:xfrm>
           <a:prstGeom prst="rect">
             <a:avLst/>
@@ -4578,6 +4607,18 @@
   <p:clrMapOvr>
     <a:masterClrMapping/>
   </p:clrMapOvr>
+  <mc:AlternateContent xmlns:mc="http://schemas.openxmlformats.org/markup-compatibility/2006">
+    <mc:Choice xmlns:p15="http://schemas.microsoft.com/office/powerpoint/2012/main" Requires="p15">
+      <p:transition xmlns:p14="http://schemas.microsoft.com/office/powerpoint/2010/main" spd="slow" p14:dur="1250">
+        <p15:prstTrans prst="peelOff"/>
+      </p:transition>
+    </mc:Choice>
+    <mc:Fallback>
+      <p:transition spd="slow">
+        <p:fade/>
+      </p:transition>
+    </mc:Fallback>
+  </mc:AlternateContent>
 </p:sld>
 </file>
 
@@ -4741,6 +4782,18 @@
   <p:clrMapOvr>
     <a:masterClrMapping/>
   </p:clrMapOvr>
+  <mc:AlternateContent xmlns:mc="http://schemas.openxmlformats.org/markup-compatibility/2006">
+    <mc:Choice xmlns:p15="http://schemas.microsoft.com/office/powerpoint/2012/main" Requires="p15">
+      <p:transition xmlns:p14="http://schemas.microsoft.com/office/powerpoint/2010/main" spd="slow" p14:dur="1250">
+        <p15:prstTrans prst="peelOff"/>
+      </p:transition>
+    </mc:Choice>
+    <mc:Fallback>
+      <p:transition spd="slow">
+        <p:fade/>
+      </p:transition>
+    </mc:Fallback>
+  </mc:AlternateContent>
 </p:sld>
 </file>
 
@@ -5194,6 +5247,18 @@
   <p:clrMapOvr>
     <a:masterClrMapping/>
   </p:clrMapOvr>
+  <mc:AlternateContent xmlns:mc="http://schemas.openxmlformats.org/markup-compatibility/2006">
+    <mc:Choice xmlns:p15="http://schemas.microsoft.com/office/powerpoint/2012/main" Requires="p15">
+      <p:transition xmlns:p14="http://schemas.microsoft.com/office/powerpoint/2010/main" spd="slow" p14:dur="1250">
+        <p15:prstTrans prst="peelOff"/>
+      </p:transition>
+    </mc:Choice>
+    <mc:Fallback>
+      <p:transition spd="slow">
+        <p:fade/>
+      </p:transition>
+    </mc:Fallback>
+  </mc:AlternateContent>
   <p:timing>
     <p:tnLst>
       <p:par>
@@ -5538,6 +5603,18 @@
   <p:clrMapOvr>
     <a:masterClrMapping/>
   </p:clrMapOvr>
+  <mc:AlternateContent xmlns:mc="http://schemas.openxmlformats.org/markup-compatibility/2006">
+    <mc:Choice xmlns:p15="http://schemas.microsoft.com/office/powerpoint/2012/main" Requires="p15">
+      <p:transition xmlns:p14="http://schemas.microsoft.com/office/powerpoint/2010/main" spd="slow" p14:dur="1250">
+        <p15:prstTrans prst="peelOff"/>
+      </p:transition>
+    </mc:Choice>
+    <mc:Fallback>
+      <p:transition spd="slow">
+        <p:fade/>
+      </p:transition>
+    </mc:Fallback>
+  </mc:AlternateContent>
 </p:sld>
 </file>
 
@@ -5715,6 +5792,18 @@
   <p:clrMapOvr>
     <a:masterClrMapping/>
   </p:clrMapOvr>
+  <mc:AlternateContent xmlns:mc="http://schemas.openxmlformats.org/markup-compatibility/2006">
+    <mc:Choice xmlns:p15="http://schemas.microsoft.com/office/powerpoint/2012/main" Requires="p15">
+      <p:transition xmlns:p14="http://schemas.microsoft.com/office/powerpoint/2010/main" spd="slow" p14:dur="1250">
+        <p15:prstTrans prst="peelOff"/>
+      </p:transition>
+    </mc:Choice>
+    <mc:Fallback>
+      <p:transition spd="slow">
+        <p:fade/>
+      </p:transition>
+    </mc:Fallback>
+  </mc:AlternateContent>
 </p:sld>
 </file>
 
@@ -5794,6 +5883,18 @@
   <p:clrMapOvr>
     <a:masterClrMapping/>
   </p:clrMapOvr>
+  <mc:AlternateContent xmlns:mc="http://schemas.openxmlformats.org/markup-compatibility/2006">
+    <mc:Choice xmlns:p15="http://schemas.microsoft.com/office/powerpoint/2012/main" Requires="p15">
+      <p:transition xmlns:p14="http://schemas.microsoft.com/office/powerpoint/2010/main" spd="slow" p14:dur="2000">
+        <p15:prstTrans prst="drape"/>
+      </p:transition>
+    </mc:Choice>
+    <mc:Fallback>
+      <p:transition spd="slow">
+        <p:fade/>
+      </p:transition>
+    </mc:Fallback>
+  </mc:AlternateContent>
 </p:sld>
 </file>
 
